--- a/excel_graphics/Presentation1.pptx
+++ b/excel_graphics/Presentation1.pptx
@@ -104,6 +104,11 @@
       </a:defRPr>
     </a:lvl9pPr>
   </p:defaultTextStyle>
+  <p:extLst>
+    <p:ext uri="{EFAFB233-063F-42B5-8137-9DF3F51BA10A}">
+      <p15:sldGuideLst xmlns:p15="http://schemas.microsoft.com/office/powerpoint/2012/main"/>
+    </p:ext>
+  </p:extLst>
 </p:presentation>
 </file>
 
@@ -256,7 +261,7 @@
           <a:p>
             <a:fld id="{A25DA4A2-51A1-0E49-AE6F-CA48BB901D2B}" type="datetimeFigureOut">
               <a:rPr lang="de-DE" smtClean="0"/>
-              <a:t>12.06.23</a:t>
+              <a:t>09.07.23</a:t>
             </a:fld>
             <a:endParaRPr lang="de-DE"/>
           </a:p>
@@ -456,7 +461,7 @@
           <a:p>
             <a:fld id="{A25DA4A2-51A1-0E49-AE6F-CA48BB901D2B}" type="datetimeFigureOut">
               <a:rPr lang="de-DE" smtClean="0"/>
-              <a:t>12.06.23</a:t>
+              <a:t>09.07.23</a:t>
             </a:fld>
             <a:endParaRPr lang="de-DE"/>
           </a:p>
@@ -666,7 +671,7 @@
           <a:p>
             <a:fld id="{A25DA4A2-51A1-0E49-AE6F-CA48BB901D2B}" type="datetimeFigureOut">
               <a:rPr lang="de-DE" smtClean="0"/>
-              <a:t>12.06.23</a:t>
+              <a:t>09.07.23</a:t>
             </a:fld>
             <a:endParaRPr lang="de-DE"/>
           </a:p>
@@ -866,7 +871,7 @@
           <a:p>
             <a:fld id="{A25DA4A2-51A1-0E49-AE6F-CA48BB901D2B}" type="datetimeFigureOut">
               <a:rPr lang="de-DE" smtClean="0"/>
-              <a:t>12.06.23</a:t>
+              <a:t>09.07.23</a:t>
             </a:fld>
             <a:endParaRPr lang="de-DE"/>
           </a:p>
@@ -1142,7 +1147,7 @@
           <a:p>
             <a:fld id="{A25DA4A2-51A1-0E49-AE6F-CA48BB901D2B}" type="datetimeFigureOut">
               <a:rPr lang="de-DE" smtClean="0"/>
-              <a:t>12.06.23</a:t>
+              <a:t>09.07.23</a:t>
             </a:fld>
             <a:endParaRPr lang="de-DE"/>
           </a:p>
@@ -1410,7 +1415,7 @@
           <a:p>
             <a:fld id="{A25DA4A2-51A1-0E49-AE6F-CA48BB901D2B}" type="datetimeFigureOut">
               <a:rPr lang="de-DE" smtClean="0"/>
-              <a:t>12.06.23</a:t>
+              <a:t>09.07.23</a:t>
             </a:fld>
             <a:endParaRPr lang="de-DE"/>
           </a:p>
@@ -1825,7 +1830,7 @@
           <a:p>
             <a:fld id="{A25DA4A2-51A1-0E49-AE6F-CA48BB901D2B}" type="datetimeFigureOut">
               <a:rPr lang="de-DE" smtClean="0"/>
-              <a:t>12.06.23</a:t>
+              <a:t>09.07.23</a:t>
             </a:fld>
             <a:endParaRPr lang="de-DE"/>
           </a:p>
@@ -1967,7 +1972,7 @@
           <a:p>
             <a:fld id="{A25DA4A2-51A1-0E49-AE6F-CA48BB901D2B}" type="datetimeFigureOut">
               <a:rPr lang="de-DE" smtClean="0"/>
-              <a:t>12.06.23</a:t>
+              <a:t>09.07.23</a:t>
             </a:fld>
             <a:endParaRPr lang="de-DE"/>
           </a:p>
@@ -2080,7 +2085,7 @@
           <a:p>
             <a:fld id="{A25DA4A2-51A1-0E49-AE6F-CA48BB901D2B}" type="datetimeFigureOut">
               <a:rPr lang="de-DE" smtClean="0"/>
-              <a:t>12.06.23</a:t>
+              <a:t>09.07.23</a:t>
             </a:fld>
             <a:endParaRPr lang="de-DE"/>
           </a:p>
@@ -2393,7 +2398,7 @@
           <a:p>
             <a:fld id="{A25DA4A2-51A1-0E49-AE6F-CA48BB901D2B}" type="datetimeFigureOut">
               <a:rPr lang="de-DE" smtClean="0"/>
-              <a:t>12.06.23</a:t>
+              <a:t>09.07.23</a:t>
             </a:fld>
             <a:endParaRPr lang="de-DE"/>
           </a:p>
@@ -2682,7 +2687,7 @@
           <a:p>
             <a:fld id="{A25DA4A2-51A1-0E49-AE6F-CA48BB901D2B}" type="datetimeFigureOut">
               <a:rPr lang="de-DE" smtClean="0"/>
-              <a:t>12.06.23</a:t>
+              <a:t>09.07.23</a:t>
             </a:fld>
             <a:endParaRPr lang="de-DE"/>
           </a:p>
@@ -2925,7 +2930,7 @@
           <a:p>
             <a:fld id="{A25DA4A2-51A1-0E49-AE6F-CA48BB901D2B}" type="datetimeFigureOut">
               <a:rPr lang="de-DE" smtClean="0"/>
-              <a:t>12.06.23</a:t>
+              <a:t>09.07.23</a:t>
             </a:fld>
             <a:endParaRPr lang="de-DE"/>
           </a:p>
@@ -4799,8 +4804,8 @@
           </a:p>
         </p:txBody>
       </p:sp>
-      <mc:AlternateContent xmlns:mc="http://schemas.openxmlformats.org/markup-compatibility/2006">
-        <mc:Choice xmlns:a14="http://schemas.microsoft.com/office/drawing/2010/main" Requires="a14">
+      <mc:AlternateContent xmlns:mc="http://schemas.openxmlformats.org/markup-compatibility/2006" xmlns:a14="http://schemas.microsoft.com/office/drawing/2010/main">
+        <mc:Choice Requires="a14">
           <p:sp>
             <p:nvSpPr>
               <p:cNvPr id="49" name="TextBox 48">
@@ -4829,6 +4834,7 @@
               </a:bodyPr>
               <a:lstStyle/>
               <a:p>
+                <a:pPr/>
                 <a14:m>
                   <m:oMathPara xmlns:m="http://schemas.openxmlformats.org/officeDocument/2006/math">
                     <m:oMathParaPr>
@@ -4849,7 +4855,7 @@
             </p:txBody>
           </p:sp>
         </mc:Choice>
-        <mc:Fallback>
+        <mc:Fallback xmlns="">
           <p:sp>
             <p:nvSpPr>
               <p:cNvPr id="49" name="TextBox 48">
@@ -4894,8 +4900,8 @@
           </p:sp>
         </mc:Fallback>
       </mc:AlternateContent>
-      <mc:AlternateContent xmlns:mc="http://schemas.openxmlformats.org/markup-compatibility/2006">
-        <mc:Choice xmlns:a14="http://schemas.microsoft.com/office/drawing/2010/main" Requires="a14">
+      <mc:AlternateContent xmlns:mc="http://schemas.openxmlformats.org/markup-compatibility/2006" xmlns:a14="http://schemas.microsoft.com/office/drawing/2010/main">
+        <mc:Choice Requires="a14">
           <p:sp>
             <p:nvSpPr>
               <p:cNvPr id="50" name="TextBox 49">
@@ -4924,6 +4930,7 @@
               </a:bodyPr>
               <a:lstStyle/>
               <a:p>
+                <a:pPr/>
                 <a14:m>
                   <m:oMathPara xmlns:m="http://schemas.openxmlformats.org/officeDocument/2006/math">
                     <m:oMathParaPr>
@@ -4944,7 +4951,7 @@
             </p:txBody>
           </p:sp>
         </mc:Choice>
-        <mc:Fallback>
+        <mc:Fallback xmlns="">
           <p:sp>
             <p:nvSpPr>
               <p:cNvPr id="50" name="TextBox 49">
@@ -4989,8 +4996,8 @@
           </p:sp>
         </mc:Fallback>
       </mc:AlternateContent>
-      <mc:AlternateContent xmlns:mc="http://schemas.openxmlformats.org/markup-compatibility/2006">
-        <mc:Choice xmlns:a14="http://schemas.microsoft.com/office/drawing/2010/main" Requires="a14">
+      <mc:AlternateContent xmlns:mc="http://schemas.openxmlformats.org/markup-compatibility/2006" xmlns:a14="http://schemas.microsoft.com/office/drawing/2010/main">
+        <mc:Choice Requires="a14">
           <p:sp>
             <p:nvSpPr>
               <p:cNvPr id="51" name="TextBox 50">
@@ -5019,6 +5026,7 @@
               </a:bodyPr>
               <a:lstStyle/>
               <a:p>
+                <a:pPr/>
                 <a14:m>
                   <m:oMathPara xmlns:m="http://schemas.openxmlformats.org/officeDocument/2006/math">
                     <m:oMathParaPr>
@@ -5039,7 +5047,7 @@
             </p:txBody>
           </p:sp>
         </mc:Choice>
-        <mc:Fallback>
+        <mc:Fallback xmlns="">
           <p:sp>
             <p:nvSpPr>
               <p:cNvPr id="51" name="TextBox 50">
@@ -5084,8 +5092,8 @@
           </p:sp>
         </mc:Fallback>
       </mc:AlternateContent>
-      <mc:AlternateContent xmlns:mc="http://schemas.openxmlformats.org/markup-compatibility/2006">
-        <mc:Choice xmlns:a14="http://schemas.microsoft.com/office/drawing/2010/main" Requires="a14">
+      <mc:AlternateContent xmlns:mc="http://schemas.openxmlformats.org/markup-compatibility/2006" xmlns:a14="http://schemas.microsoft.com/office/drawing/2010/main">
+        <mc:Choice Requires="a14">
           <p:sp>
             <p:nvSpPr>
               <p:cNvPr id="52" name="TextBox 51">
@@ -5114,6 +5122,7 @@
               </a:bodyPr>
               <a:lstStyle/>
               <a:p>
+                <a:pPr/>
                 <a14:m>
                   <m:oMathPara xmlns:m="http://schemas.openxmlformats.org/officeDocument/2006/math">
                     <m:oMathParaPr>
@@ -5134,7 +5143,7 @@
             </p:txBody>
           </p:sp>
         </mc:Choice>
-        <mc:Fallback>
+        <mc:Fallback xmlns="">
           <p:sp>
             <p:nvSpPr>
               <p:cNvPr id="52" name="TextBox 51">
@@ -5179,8 +5188,8 @@
           </p:sp>
         </mc:Fallback>
       </mc:AlternateContent>
-      <mc:AlternateContent xmlns:mc="http://schemas.openxmlformats.org/markup-compatibility/2006">
-        <mc:Choice xmlns:a14="http://schemas.microsoft.com/office/drawing/2010/main" Requires="a14">
+      <mc:AlternateContent xmlns:mc="http://schemas.openxmlformats.org/markup-compatibility/2006" xmlns:a14="http://schemas.microsoft.com/office/drawing/2010/main">
+        <mc:Choice Requires="a14">
           <p:sp>
             <p:nvSpPr>
               <p:cNvPr id="53" name="TextBox 52">
@@ -5209,6 +5218,7 @@
               </a:bodyPr>
               <a:lstStyle/>
               <a:p>
+                <a:pPr/>
                 <a14:m>
                   <m:oMathPara xmlns:m="http://schemas.openxmlformats.org/officeDocument/2006/math">
                     <m:oMathParaPr>
@@ -5229,7 +5239,7 @@
             </p:txBody>
           </p:sp>
         </mc:Choice>
-        <mc:Fallback>
+        <mc:Fallback xmlns="">
           <p:sp>
             <p:nvSpPr>
               <p:cNvPr id="53" name="TextBox 52">
@@ -5274,8 +5284,8 @@
           </p:sp>
         </mc:Fallback>
       </mc:AlternateContent>
-      <mc:AlternateContent xmlns:mc="http://schemas.openxmlformats.org/markup-compatibility/2006">
-        <mc:Choice xmlns:a14="http://schemas.microsoft.com/office/drawing/2010/main" Requires="a14">
+      <mc:AlternateContent xmlns:mc="http://schemas.openxmlformats.org/markup-compatibility/2006" xmlns:a14="http://schemas.microsoft.com/office/drawing/2010/main">
+        <mc:Choice Requires="a14">
           <p:sp>
             <p:nvSpPr>
               <p:cNvPr id="54" name="TextBox 53">
@@ -5304,6 +5314,7 @@
               </a:bodyPr>
               <a:lstStyle/>
               <a:p>
+                <a:pPr/>
                 <a14:m>
                   <m:oMathPara xmlns:m="http://schemas.openxmlformats.org/officeDocument/2006/math">
                     <m:oMathParaPr>
@@ -5324,7 +5335,7 @@
             </p:txBody>
           </p:sp>
         </mc:Choice>
-        <mc:Fallback>
+        <mc:Fallback xmlns="">
           <p:sp>
             <p:nvSpPr>
               <p:cNvPr id="54" name="TextBox 53">
@@ -5386,7 +5397,7 @@
             <p:spPr>
               <a:xfrm>
                 <a:off x="5710889" y="2801903"/>
-                <a:ext cx="628954" cy="553998"/>
+                <a:ext cx="682687" cy="553998"/>
               </a:xfrm>
               <a:prstGeom prst="rect">
                 <a:avLst/>
@@ -5399,6 +5410,7 @@
               </a:bodyPr>
               <a:lstStyle/>
               <a:p>
+                <a:pPr/>
                 <a14:m>
                   <m:oMathPara xmlns:m="http://schemas.openxmlformats.org/officeDocument/2006/math">
                     <m:oMathParaPr>
@@ -5410,7 +5422,7 @@
                           <a:latin typeface="Cambria Math" panose="02040503050406030204" pitchFamily="18" charset="0"/>
                           <a:ea typeface="Cambria Math" panose="02040503050406030204" pitchFamily="18" charset="0"/>
                         </a:rPr>
-                        <m:t>𝑗</m:t>
+                        <m:t>𝑝</m:t>
                       </m:r>
                       <m:r>
                         <a:rPr lang="de-DE" b="0" i="1" smtClean="0">
@@ -5428,19 +5440,44 @@
                 </a:endParaRPr>
               </a:p>
               <a:p>
+                <a:pPr/>
                 <a14:m>
                   <m:oMathPara xmlns:m="http://schemas.openxmlformats.org/officeDocument/2006/math">
                     <m:oMathParaPr>
                       <m:jc m:val="centerGroup"/>
                     </m:oMathParaPr>
                     <m:oMath xmlns:m="http://schemas.openxmlformats.org/officeDocument/2006/math">
-                      <m:r>
-                        <a:rPr lang="de-DE" i="1" smtClean="0">
-                          <a:latin typeface="Cambria Math" panose="02040503050406030204" pitchFamily="18" charset="0"/>
-                          <a:ea typeface="Cambria Math" panose="02040503050406030204" pitchFamily="18" charset="0"/>
-                        </a:rPr>
-                        <m:t>𝛽</m:t>
-                      </m:r>
+                      <m:sSub>
+                        <m:sSubPr>
+                          <m:ctrlPr>
+                            <a:rPr lang="de-DE" b="0" i="1" smtClean="0">
+                              <a:latin typeface="Cambria Math" panose="02040503050406030204" pitchFamily="18" charset="0"/>
+                              <a:ea typeface="Cambria Math" panose="02040503050406030204" pitchFamily="18" charset="0"/>
+                            </a:rPr>
+                          </m:ctrlPr>
+                        </m:sSubPr>
+                        <m:e>
+                          <m:r>
+                            <m:rPr>
+                              <m:sty m:val="p"/>
+                            </m:rPr>
+                            <a:rPr lang="de-DE" b="0" i="0" smtClean="0">
+                              <a:latin typeface="Cambria Math" panose="02040503050406030204" pitchFamily="18" charset="0"/>
+                              <a:ea typeface="Cambria Math" panose="02040503050406030204" pitchFamily="18" charset="0"/>
+                            </a:rPr>
+                            <m:t>Γ</m:t>
+                          </m:r>
+                        </m:e>
+                        <m:sub>
+                          <m:r>
+                            <a:rPr lang="de-DE" b="0" i="1" smtClean="0">
+                              <a:latin typeface="Cambria Math" panose="02040503050406030204" pitchFamily="18" charset="0"/>
+                              <a:ea typeface="Cambria Math" panose="02040503050406030204" pitchFamily="18" charset="0"/>
+                            </a:rPr>
+                            <m:t>1</m:t>
+                          </m:r>
+                        </m:sub>
+                      </m:sSub>
                       <m:r>
                         <a:rPr lang="de-DE" b="0" i="1" smtClean="0">
                           <a:latin typeface="Cambria Math" panose="02040503050406030204" pitchFamily="18" charset="0"/>
@@ -5474,7 +5511,7 @@
             <p:spPr>
               <a:xfrm>
                 <a:off x="5710889" y="2801903"/>
-                <a:ext cx="628954" cy="553998"/>
+                <a:ext cx="682687" cy="553998"/>
               </a:xfrm>
               <a:prstGeom prst="rect">
                 <a:avLst/>
@@ -5482,7 +5519,7 @@
               <a:blipFill>
                 <a:blip r:embed="rId8"/>
                 <a:stretch>
-                  <a:fillRect l="-11765" r="-7843" b="-17778"/>
+                  <a:fillRect l="-7273" r="-7273" b="-6667"/>
                 </a:stretch>
               </a:blipFill>
             </p:spPr>
@@ -5491,7 +5528,7 @@
               <a:lstStyle/>
               <a:p>
                 <a:r>
-                  <a:rPr lang="de-DE">
+                  <a:rPr lang="en-US">
                     <a:noFill/>
                   </a:rPr>
                   <a:t> </a:t>
@@ -5518,7 +5555,7 @@
             <p:spPr>
               <a:xfrm>
                 <a:off x="2600361" y="2810859"/>
-                <a:ext cx="628954" cy="553998"/>
+                <a:ext cx="688009" cy="553998"/>
               </a:xfrm>
               <a:prstGeom prst="rect">
                 <a:avLst/>
@@ -5531,6 +5568,7 @@
               </a:bodyPr>
               <a:lstStyle/>
               <a:p>
+                <a:pPr/>
                 <a14:m>
                   <m:oMathPara xmlns:m="http://schemas.openxmlformats.org/officeDocument/2006/math">
                     <m:oMathParaPr>
@@ -5542,7 +5580,7 @@
                           <a:latin typeface="Cambria Math" panose="02040503050406030204" pitchFamily="18" charset="0"/>
                           <a:ea typeface="Cambria Math" panose="02040503050406030204" pitchFamily="18" charset="0"/>
                         </a:rPr>
-                        <m:t>𝑗</m:t>
+                        <m:t>𝑝</m:t>
                       </m:r>
                       <m:r>
                         <a:rPr lang="de-DE" b="0" i="1" smtClean="0">
@@ -5560,19 +5598,44 @@
                 </a:endParaRPr>
               </a:p>
               <a:p>
+                <a:pPr/>
                 <a14:m>
                   <m:oMathPara xmlns:m="http://schemas.openxmlformats.org/officeDocument/2006/math">
                     <m:oMathParaPr>
                       <m:jc m:val="centerGroup"/>
                     </m:oMathParaPr>
                     <m:oMath xmlns:m="http://schemas.openxmlformats.org/officeDocument/2006/math">
-                      <m:r>
-                        <a:rPr lang="de-DE" i="1" smtClean="0">
-                          <a:latin typeface="Cambria Math" panose="02040503050406030204" pitchFamily="18" charset="0"/>
-                          <a:ea typeface="Cambria Math" panose="02040503050406030204" pitchFamily="18" charset="0"/>
-                        </a:rPr>
-                        <m:t>𝛽</m:t>
-                      </m:r>
+                      <m:sSub>
+                        <m:sSubPr>
+                          <m:ctrlPr>
+                            <a:rPr lang="de-DE" b="0" i="1" smtClean="0">
+                              <a:latin typeface="Cambria Math" panose="02040503050406030204" pitchFamily="18" charset="0"/>
+                              <a:ea typeface="Cambria Math" panose="02040503050406030204" pitchFamily="18" charset="0"/>
+                            </a:rPr>
+                          </m:ctrlPr>
+                        </m:sSubPr>
+                        <m:e>
+                          <m:r>
+                            <m:rPr>
+                              <m:sty m:val="p"/>
+                            </m:rPr>
+                            <a:rPr lang="de-DE" b="0" i="0" smtClean="0">
+                              <a:latin typeface="Cambria Math" panose="02040503050406030204" pitchFamily="18" charset="0"/>
+                              <a:ea typeface="Cambria Math" panose="02040503050406030204" pitchFamily="18" charset="0"/>
+                            </a:rPr>
+                            <m:t>Γ</m:t>
+                          </m:r>
+                        </m:e>
+                        <m:sub>
+                          <m:r>
+                            <a:rPr lang="de-DE" b="0" i="1" smtClean="0">
+                              <a:latin typeface="Cambria Math" panose="02040503050406030204" pitchFamily="18" charset="0"/>
+                              <a:ea typeface="Cambria Math" panose="02040503050406030204" pitchFamily="18" charset="0"/>
+                            </a:rPr>
+                            <m:t>0</m:t>
+                          </m:r>
+                        </m:sub>
+                      </m:sSub>
                       <m:r>
                         <a:rPr lang="de-DE" b="0" i="1" smtClean="0">
                           <a:latin typeface="Cambria Math" panose="02040503050406030204" pitchFamily="18" charset="0"/>
@@ -5608,7 +5671,7 @@
             <p:spPr>
               <a:xfrm>
                 <a:off x="2600361" y="2810859"/>
-                <a:ext cx="628954" cy="553998"/>
+                <a:ext cx="688009" cy="553998"/>
               </a:xfrm>
               <a:prstGeom prst="rect">
                 <a:avLst/>
@@ -5616,7 +5679,7 @@
               <a:blipFill>
                 <a:blip r:embed="rId9"/>
                 <a:stretch>
-                  <a:fillRect l="-11765" r="-7843" b="-20455"/>
+                  <a:fillRect l="-7273" r="-9091" b="-9091"/>
                 </a:stretch>
               </a:blipFill>
             </p:spPr>
@@ -5625,7 +5688,7 @@
               <a:lstStyle/>
               <a:p>
                 <a:r>
-                  <a:rPr lang="de-DE">
+                  <a:rPr lang="en-US">
                     <a:noFill/>
                   </a:rPr>
                   <a:t> </a:t>
@@ -5684,8 +5747,8 @@
           </a:p>
         </p:txBody>
       </p:sp>
-      <mc:AlternateContent xmlns:mc="http://schemas.openxmlformats.org/markup-compatibility/2006">
-        <mc:Choice xmlns:a14="http://schemas.microsoft.com/office/drawing/2010/main" Requires="a14">
+      <mc:AlternateContent xmlns:mc="http://schemas.openxmlformats.org/markup-compatibility/2006" xmlns:a14="http://schemas.microsoft.com/office/drawing/2010/main">
+        <mc:Choice Requires="a14">
           <p:sp>
             <p:nvSpPr>
               <p:cNvPr id="58" name="TextBox 57">
@@ -5714,6 +5777,7 @@
               </a:bodyPr>
               <a:lstStyle/>
               <a:p>
+                <a:pPr/>
                 <a14:m>
                   <m:oMathPara xmlns:m="http://schemas.openxmlformats.org/officeDocument/2006/math">
                     <m:oMathParaPr>
@@ -5740,7 +5804,7 @@
             </p:txBody>
           </p:sp>
         </mc:Choice>
-        <mc:Fallback>
+        <mc:Fallback xmlns="">
           <p:sp>
             <p:nvSpPr>
               <p:cNvPr id="58" name="TextBox 57">
@@ -5785,8 +5849,8 @@
           </p:sp>
         </mc:Fallback>
       </mc:AlternateContent>
-      <mc:AlternateContent xmlns:mc="http://schemas.openxmlformats.org/markup-compatibility/2006">
-        <mc:Choice xmlns:a14="http://schemas.microsoft.com/office/drawing/2010/main" Requires="a14">
+      <mc:AlternateContent xmlns:mc="http://schemas.openxmlformats.org/markup-compatibility/2006" xmlns:a14="http://schemas.microsoft.com/office/drawing/2010/main">
+        <mc:Choice Requires="a14">
           <p:sp>
             <p:nvSpPr>
               <p:cNvPr id="59" name="TextBox 58">
@@ -5815,6 +5879,7 @@
               </a:bodyPr>
               <a:lstStyle/>
               <a:p>
+                <a:pPr/>
                 <a14:m>
                   <m:oMathPara xmlns:m="http://schemas.openxmlformats.org/officeDocument/2006/math">
                     <m:oMathParaPr>
@@ -5841,7 +5906,7 @@
             </p:txBody>
           </p:sp>
         </mc:Choice>
-        <mc:Fallback>
+        <mc:Fallback xmlns="">
           <p:sp>
             <p:nvSpPr>
               <p:cNvPr id="59" name="TextBox 58">
@@ -5984,8 +6049,8 @@
           </a:p>
         </p:txBody>
       </p:sp>
-      <mc:AlternateContent xmlns:mc="http://schemas.openxmlformats.org/markup-compatibility/2006">
-        <mc:Choice xmlns:a14="http://schemas.microsoft.com/office/drawing/2010/main" Requires="a14">
+      <mc:AlternateContent xmlns:mc="http://schemas.openxmlformats.org/markup-compatibility/2006" xmlns:a14="http://schemas.microsoft.com/office/drawing/2010/main">
+        <mc:Choice Requires="a14">
           <p:sp>
             <p:nvSpPr>
               <p:cNvPr id="62" name="TextBox 61">
@@ -6014,6 +6079,7 @@
               </a:bodyPr>
               <a:lstStyle/>
               <a:p>
+                <a:pPr/>
                 <a14:m>
                   <m:oMathPara xmlns:m="http://schemas.openxmlformats.org/officeDocument/2006/math">
                     <m:oMathParaPr>
@@ -6065,7 +6131,7 @@
             </p:txBody>
           </p:sp>
         </mc:Choice>
-        <mc:Fallback>
+        <mc:Fallback xmlns="">
           <p:sp>
             <p:nvSpPr>
               <p:cNvPr id="62" name="TextBox 61">
@@ -6110,8 +6176,8 @@
           </p:sp>
         </mc:Fallback>
       </mc:AlternateContent>
-      <mc:AlternateContent xmlns:mc="http://schemas.openxmlformats.org/markup-compatibility/2006">
-        <mc:Choice xmlns:a14="http://schemas.microsoft.com/office/drawing/2010/main" Requires="a14">
+      <mc:AlternateContent xmlns:mc="http://schemas.openxmlformats.org/markup-compatibility/2006" xmlns:a14="http://schemas.microsoft.com/office/drawing/2010/main">
+        <mc:Choice Requires="a14">
           <p:sp>
             <p:nvSpPr>
               <p:cNvPr id="63" name="TextBox 62">
@@ -6140,6 +6206,7 @@
               </a:bodyPr>
               <a:lstStyle/>
               <a:p>
+                <a:pPr/>
                 <a14:m>
                   <m:oMathPara xmlns:m="http://schemas.openxmlformats.org/officeDocument/2006/math">
                     <m:oMathParaPr>
@@ -6191,7 +6258,7 @@
             </p:txBody>
           </p:sp>
         </mc:Choice>
-        <mc:Fallback>
+        <mc:Fallback xmlns="">
           <p:sp>
             <p:nvSpPr>
               <p:cNvPr id="63" name="TextBox 62">
